--- a/AICTE PPT Template (1).pptx
+++ b/AICTE PPT Template (1).pptx
@@ -5919,6 +5919,21 @@
             <a:r>
               <a:rPr lang="en-IN" sz="1800" b="1" dirty="0"/>
               <a:t>README</a:t>
+            </a:r>
+          </a:p>
+          <a:p>
+            <a:pPr marL="0" indent="0" algn="just">
+              <a:buNone/>
+            </a:pPr>
+            <a:r>
+              <a:rPr lang="en-IN" sz="1800" b="1" dirty="0">
+                <a:latin typeface="Abadi Extra Light" panose="020B0204020104020204" pitchFamily="34" charset="0"/>
+              </a:rPr>
+              <a:t>  •</a:t>
+            </a:r>
+            <a:r>
+              <a:rPr lang="en-IN" sz="1800" b="1" dirty="0"/>
+              <a:t>Encrypted image</a:t>
             </a:r>
             <a:endParaRPr lang="en-IN" b="1" dirty="0"/>
           </a:p>
